--- a/Prezentace.pptx
+++ b/Prezentace.pptx
@@ -7,6 +7,8 @@
   <p:sldIdLst>
     <p:sldId id="256" r:id="rId2"/>
     <p:sldId id="257" r:id="rId3"/>
+    <p:sldId id="258" r:id="rId4"/>
+    <p:sldId id="259" r:id="rId5"/>
   </p:sldIdLst>
   <p:sldSz cx="12192000" cy="6858000"/>
   <p:notesSz cx="6858000" cy="9144000"/>
@@ -105,6 +107,11 @@
       </a:defRPr>
     </a:lvl9pPr>
   </p:defaultTextStyle>
+  <p:extLst>
+    <p:ext uri="{EFAFB233-063F-42B5-8137-9DF3F51BA10A}">
+      <p15:sldGuideLst xmlns:p15="http://schemas.microsoft.com/office/powerpoint/2012/main"/>
+    </p:ext>
+  </p:extLst>
 </p:presentation>
 </file>
 
@@ -3229,33 +3236,39 @@
             <p:ph type="title"/>
           </p:nvPr>
         </p:nvSpPr>
+        <p:spPr>
+          <a:xfrm>
+            <a:off x="0" y="1"/>
+            <a:ext cx="12192000" cy="1140310"/>
+          </a:xfrm>
+        </p:spPr>
+        <p:txBody>
+          <a:bodyPr>
+            <a:normAutofit/>
+          </a:bodyPr>
+          <a:lstStyle/>
+          <a:p>
+            <a:pPr algn="ctr"/>
+            <a:r>
+              <a:rPr lang="cs-CZ" sz="7300" b="1" dirty="0" smtClean="0"/>
+              <a:t>Úvod</a:t>
+            </a:r>
+            <a:endParaRPr lang="cs-CZ" b="1" dirty="0"/>
+          </a:p>
+        </p:txBody>
+      </p:sp>
+      <p:sp>
+        <p:nvSpPr>
+          <p:cNvPr id="3" name="Zástupný symbol pro obsah 2"/>
+          <p:cNvSpPr>
+            <a:spLocks noGrp="1"/>
+          </p:cNvSpPr>
+          <p:nvPr>
+            <p:ph idx="1"/>
+          </p:nvPr>
+        </p:nvSpPr>
         <p:spPr/>
         <p:txBody>
-          <a:bodyPr>
-            <a:normAutofit fontScale="90000"/>
-          </a:bodyPr>
-          <a:lstStyle/>
-          <a:p>
-            <a:r>
-              <a:rPr lang="cs-CZ" b="1" dirty="0" smtClean="0"/>
-              <a:t>Úvod</a:t>
-            </a:r>
-            <a:endParaRPr lang="cs-CZ" b="1" dirty="0"/>
-          </a:p>
-        </p:txBody>
-      </p:sp>
-      <p:sp>
-        <p:nvSpPr>
-          <p:cNvPr id="3" name="Zástupný symbol pro obsah 2"/>
-          <p:cNvSpPr>
-            <a:spLocks noGrp="1"/>
-          </p:cNvSpPr>
-          <p:nvPr>
-            <p:ph idx="1"/>
-          </p:nvPr>
-        </p:nvSpPr>
-        <p:spPr/>
-        <p:txBody>
           <a:bodyPr/>
           <a:lstStyle/>
           <a:p>
@@ -3263,154 +3276,211 @@
           </a:p>
           <a:p>
             <a:r>
-              <a:rPr lang="cs-CZ" dirty="0" smtClean="0"/>
+              <a:rPr lang="cs-CZ" sz="4800" dirty="0" smtClean="0"/>
               <a:t>Internet je </a:t>
             </a:r>
             <a:r>
-              <a:rPr lang="cs-CZ" dirty="0" err="1" smtClean="0"/>
+              <a:rPr lang="cs-CZ" sz="4800" dirty="0" err="1" smtClean="0"/>
               <a:t>decentrali</a:t>
             </a:r>
             <a:r>
-              <a:rPr lang="en-US" dirty="0" err="1" smtClean="0"/>
+              <a:rPr lang="en-US" sz="4800" dirty="0" err="1" smtClean="0"/>
               <a:t>zovana</a:t>
             </a:r>
             <a:r>
-              <a:rPr lang="en-US" dirty="0" smtClean="0"/>
+              <a:rPr lang="en-US" sz="4800" dirty="0" smtClean="0"/>
               <a:t> sit </a:t>
             </a:r>
             <a:r>
-              <a:rPr lang="en-US" dirty="0" err="1" smtClean="0"/>
+              <a:rPr lang="en-US" sz="4800" dirty="0" err="1" smtClean="0"/>
               <a:t>pocitacu</a:t>
             </a:r>
-            <a:endParaRPr lang="en-US" dirty="0" smtClean="0"/>
+            <a:endParaRPr lang="en-US" sz="4800" dirty="0" smtClean="0"/>
           </a:p>
           <a:p>
             <a:pPr lvl="1"/>
             <a:r>
-              <a:rPr lang="en-US" dirty="0" err="1" smtClean="0"/>
+              <a:rPr lang="en-US" sz="4400" dirty="0" err="1" smtClean="0"/>
               <a:t>tj</a:t>
             </a:r>
             <a:r>
-              <a:rPr lang="en-US" dirty="0" smtClean="0"/>
+              <a:rPr lang="en-US" sz="4400" dirty="0" smtClean="0"/>
               <a:t>. </a:t>
             </a:r>
             <a:r>
-              <a:rPr lang="en-US" dirty="0" err="1" smtClean="0"/>
+              <a:rPr lang="en-US" sz="4400" dirty="0" err="1" smtClean="0"/>
               <a:t>Nema</a:t>
             </a:r>
             <a:r>
-              <a:rPr lang="en-US" dirty="0" smtClean="0"/>
+              <a:rPr lang="en-US" sz="4400" dirty="0" smtClean="0"/>
               <a:t> </a:t>
             </a:r>
             <a:r>
-              <a:rPr lang="en-US" dirty="0" err="1" smtClean="0"/>
+              <a:rPr lang="en-US" sz="4400" dirty="0" err="1" smtClean="0"/>
               <a:t>vlastnika</a:t>
             </a:r>
             <a:r>
-              <a:rPr lang="en-US" dirty="0" smtClean="0"/>
+              <a:rPr lang="en-US" sz="4400" dirty="0" smtClean="0"/>
               <a:t> </a:t>
             </a:r>
             <a:r>
-              <a:rPr lang="en-US" dirty="0" err="1" smtClean="0"/>
+              <a:rPr lang="en-US" sz="4400" dirty="0" err="1" smtClean="0"/>
               <a:t>ani</a:t>
             </a:r>
             <a:r>
-              <a:rPr lang="en-US" dirty="0" smtClean="0"/>
+              <a:rPr lang="en-US" sz="4400" dirty="0" smtClean="0"/>
               <a:t> </a:t>
             </a:r>
             <a:r>
-              <a:rPr lang="en-US" dirty="0" err="1" smtClean="0"/>
+              <a:rPr lang="en-US" sz="4400" dirty="0" err="1" smtClean="0"/>
               <a:t>zadnou</a:t>
             </a:r>
             <a:r>
-              <a:rPr lang="en-US" dirty="0" smtClean="0"/>
+              <a:rPr lang="en-US" sz="4400" dirty="0" smtClean="0"/>
               <a:t> </a:t>
             </a:r>
             <a:r>
-              <a:rPr lang="en-US" dirty="0" err="1" smtClean="0"/>
+              <a:rPr lang="en-US" sz="4400" dirty="0" err="1" smtClean="0"/>
               <a:t>hlavni</a:t>
             </a:r>
             <a:r>
-              <a:rPr lang="en-US" dirty="0" smtClean="0"/>
+              <a:rPr lang="en-US" sz="4400" dirty="0" smtClean="0"/>
               <a:t> </a:t>
             </a:r>
             <a:r>
-              <a:rPr lang="en-US" dirty="0" err="1" smtClean="0"/>
+              <a:rPr lang="en-US" sz="4400" dirty="0" err="1" smtClean="0"/>
               <a:t>autoritu</a:t>
             </a:r>
-            <a:endParaRPr lang="en-US" dirty="0" smtClean="0"/>
-          </a:p>
-          <a:p>
-            <a:r>
-              <a:rPr lang="en-US" dirty="0" err="1" smtClean="0"/>
+            <a:endParaRPr lang="en-US" sz="4400" dirty="0" smtClean="0"/>
+          </a:p>
+          <a:p>
+            <a:r>
+              <a:rPr lang="en-US" sz="4800" dirty="0" err="1" smtClean="0"/>
               <a:t>poskytovan</a:t>
             </a:r>
             <a:r>
-              <a:rPr lang="en-US" dirty="0" smtClean="0"/>
+              <a:rPr lang="en-US" sz="4800" dirty="0" smtClean="0"/>
               <a:t> </a:t>
             </a:r>
             <a:r>
-              <a:rPr lang="en-US" dirty="0" err="1" smtClean="0"/>
+              <a:rPr lang="en-US" sz="4800" dirty="0" err="1" smtClean="0"/>
               <a:t>poskytovateli</a:t>
             </a:r>
             <a:r>
-              <a:rPr lang="en-US" dirty="0" smtClean="0"/>
+              <a:rPr lang="en-US" sz="4800" dirty="0" smtClean="0"/>
               <a:t>, take </a:t>
             </a:r>
             <a:r>
-              <a:rPr lang="en-US" dirty="0" err="1" smtClean="0"/>
+              <a:rPr lang="en-US" sz="4800" dirty="0" err="1" smtClean="0"/>
               <a:t>udrzba</a:t>
             </a:r>
             <a:r>
-              <a:rPr lang="en-US" dirty="0" smtClean="0"/>
+              <a:rPr lang="en-US" sz="4800" dirty="0" smtClean="0"/>
               <a:t> site</a:t>
             </a:r>
           </a:p>
           <a:p>
             <a:r>
-              <a:rPr lang="en-US" dirty="0" err="1" smtClean="0"/>
+              <a:rPr lang="en-US" sz="4800" dirty="0" err="1" smtClean="0"/>
               <a:t>Zadarmo</a:t>
             </a:r>
             <a:r>
-              <a:rPr lang="en-US" dirty="0" smtClean="0"/>
+              <a:rPr lang="en-US" sz="4800" dirty="0" smtClean="0"/>
               <a:t>, </a:t>
             </a:r>
             <a:r>
-              <a:rPr lang="en-US" dirty="0" err="1" smtClean="0"/>
+              <a:rPr lang="en-US" sz="4800" dirty="0" err="1" smtClean="0"/>
               <a:t>platba</a:t>
             </a:r>
             <a:r>
-              <a:rPr lang="en-US" dirty="0" smtClean="0"/>
+              <a:rPr lang="en-US" sz="4800" dirty="0" smtClean="0"/>
               <a:t> </a:t>
             </a:r>
             <a:r>
-              <a:rPr lang="en-US" dirty="0" err="1" smtClean="0"/>
+              <a:rPr lang="en-US" sz="4800" dirty="0" err="1" smtClean="0"/>
               <a:t>pouze</a:t>
             </a:r>
             <a:r>
-              <a:rPr lang="en-US" dirty="0" smtClean="0"/>
+              <a:rPr lang="en-US" sz="4800" dirty="0" smtClean="0"/>
               <a:t> </a:t>
             </a:r>
             <a:r>
-              <a:rPr lang="en-US" dirty="0" err="1" smtClean="0"/>
+              <a:rPr lang="en-US" sz="4800" dirty="0" err="1" smtClean="0"/>
               <a:t>poskytovateli</a:t>
             </a:r>
-            <a:endParaRPr lang="en-US" dirty="0" smtClean="0"/>
-          </a:p>
-          <a:p>
-            <a:r>
-              <a:rPr lang="en-US" dirty="0" smtClean="0"/>
+            <a:endParaRPr lang="en-US" sz="4800" dirty="0" smtClean="0"/>
+          </a:p>
+          <a:p>
+            <a:r>
+              <a:rPr lang="en-US" sz="4800" dirty="0" smtClean="0"/>
               <a:t>Internet = </a:t>
             </a:r>
             <a:r>
-              <a:rPr lang="en-US" dirty="0" err="1" smtClean="0"/>
+              <a:rPr lang="en-US" sz="4800" dirty="0" err="1" smtClean="0"/>
               <a:t>celosvetova</a:t>
             </a:r>
             <a:r>
-              <a:rPr lang="en-US" smtClean="0"/>
-              <a:t> WAN</a:t>
-            </a:r>
-            <a:endParaRPr lang="en-US" dirty="0" smtClean="0"/>
+              <a:rPr lang="en-US" sz="4800" dirty="0" smtClean="0"/>
+              <a:t> </a:t>
+            </a:r>
+            <a:r>
+              <a:rPr lang="en-US" sz="4800" dirty="0" smtClean="0"/>
+              <a:t>WAN</a:t>
+            </a:r>
+          </a:p>
+          <a:p>
+            <a:r>
+              <a:rPr lang="en-US" sz="4800" dirty="0" smtClean="0"/>
+              <a:t>K </a:t>
+            </a:r>
+            <a:r>
+              <a:rPr lang="en-US" sz="4800" dirty="0" err="1" smtClean="0"/>
+              <a:t>posilani</a:t>
+            </a:r>
+            <a:r>
+              <a:rPr lang="en-US" sz="4800" dirty="0" smtClean="0"/>
+              <a:t> </a:t>
+            </a:r>
+            <a:r>
+              <a:rPr lang="en-US" sz="4800" dirty="0" err="1" smtClean="0"/>
+              <a:t>dat</a:t>
+            </a:r>
+            <a:r>
+              <a:rPr lang="en-US" sz="4800" dirty="0" smtClean="0"/>
+              <a:t> </a:t>
+            </a:r>
+            <a:r>
+              <a:rPr lang="en-US" sz="4800" dirty="0" err="1" smtClean="0"/>
+              <a:t>mezi</a:t>
+            </a:r>
+            <a:r>
+              <a:rPr lang="en-US" sz="4800" dirty="0" smtClean="0"/>
+              <a:t> </a:t>
+            </a:r>
+            <a:r>
+              <a:rPr lang="en-US" sz="4800" dirty="0" err="1" smtClean="0"/>
+              <a:t>pocitaci</a:t>
+            </a:r>
+            <a:endParaRPr lang="en-US" sz="4800" dirty="0" smtClean="0"/>
+          </a:p>
+          <a:p>
+            <a:r>
+              <a:rPr lang="en-US" sz="4800" dirty="0" err="1" smtClean="0"/>
+              <a:t>Sluzby</a:t>
+            </a:r>
+            <a:r>
+              <a:rPr lang="en-US" sz="4800" dirty="0" smtClean="0"/>
+              <a:t> WWW, FTP, VoIP </a:t>
+            </a:r>
+            <a:r>
+              <a:rPr lang="en-US" sz="4800" dirty="0" err="1" smtClean="0"/>
+              <a:t>atd</a:t>
+            </a:r>
+            <a:r>
+              <a:rPr lang="en-US" sz="4800" dirty="0"/>
+              <a:t>.</a:t>
+            </a:r>
+            <a:endParaRPr lang="en-US" sz="4800" dirty="0" smtClean="0"/>
           </a:p>
         </p:txBody>
       </p:sp>
@@ -3431,6 +3501,447 @@
       </p:par>
     </p:tnLst>
   </p:timing>
+</p:sld>
+</file>
+
+<file path=ppt/slides/slide3.xml><?xml version="1.0" encoding="utf-8"?>
+<p:sld xmlns:a="http://schemas.openxmlformats.org/drawingml/2006/main" xmlns:r="http://schemas.openxmlformats.org/officeDocument/2006/relationships" xmlns:p="http://schemas.openxmlformats.org/presentationml/2006/main">
+  <p:cSld>
+    <p:spTree>
+      <p:nvGrpSpPr>
+        <p:cNvPr id="1" name=""/>
+        <p:cNvGrpSpPr/>
+        <p:nvPr/>
+      </p:nvGrpSpPr>
+      <p:grpSpPr>
+        <a:xfrm>
+          <a:off x="0" y="0"/>
+          <a:ext cx="0" cy="0"/>
+          <a:chOff x="0" y="0"/>
+          <a:chExt cx="0" cy="0"/>
+        </a:xfrm>
+      </p:grpSpPr>
+      <p:sp>
+        <p:nvSpPr>
+          <p:cNvPr id="2" name="Nadpis 1"/>
+          <p:cNvSpPr>
+            <a:spLocks noGrp="1"/>
+          </p:cNvSpPr>
+          <p:nvPr>
+            <p:ph type="title"/>
+          </p:nvPr>
+        </p:nvSpPr>
+        <p:spPr>
+          <a:xfrm>
+            <a:off x="0" y="0"/>
+            <a:ext cx="12192000" cy="1161826"/>
+          </a:xfrm>
+        </p:spPr>
+        <p:txBody>
+          <a:bodyPr>
+            <a:normAutofit/>
+          </a:bodyPr>
+          <a:lstStyle/>
+          <a:p>
+            <a:pPr algn="ctr"/>
+            <a:r>
+              <a:rPr lang="en-US" sz="7200" b="1" dirty="0" err="1" smtClean="0"/>
+              <a:t>Zakladni</a:t>
+            </a:r>
+            <a:r>
+              <a:rPr lang="en-US" sz="7200" b="1" dirty="0" smtClean="0"/>
+              <a:t> </a:t>
+            </a:r>
+            <a:r>
+              <a:rPr lang="en-US" sz="7200" b="1" dirty="0" err="1" smtClean="0"/>
+              <a:t>rozvrzeni</a:t>
+            </a:r>
+            <a:r>
+              <a:rPr lang="en-US" sz="7200" b="1" dirty="0" smtClean="0"/>
+              <a:t> site</a:t>
+            </a:r>
+            <a:endParaRPr lang="cs-CZ" sz="7200" b="1" dirty="0"/>
+          </a:p>
+        </p:txBody>
+      </p:sp>
+      <p:sp>
+        <p:nvSpPr>
+          <p:cNvPr id="3" name="Zástupný symbol pro obsah 2"/>
+          <p:cNvSpPr>
+            <a:spLocks noGrp="1"/>
+          </p:cNvSpPr>
+          <p:nvPr>
+            <p:ph idx="1"/>
+          </p:nvPr>
+        </p:nvSpPr>
+        <p:spPr>
+          <a:xfrm>
+            <a:off x="0" y="1161826"/>
+            <a:ext cx="12192000" cy="5696173"/>
+          </a:xfrm>
+        </p:spPr>
+        <p:txBody>
+          <a:bodyPr/>
+          <a:lstStyle/>
+          <a:p>
+            <a:pPr marL="0" indent="0">
+              <a:buNone/>
+            </a:pPr>
+            <a:endParaRPr lang="en-US" dirty="0"/>
+          </a:p>
+          <a:p>
+            <a:r>
+              <a:rPr lang="en-US" dirty="0" smtClean="0"/>
+              <a:t>3 </a:t>
+            </a:r>
+            <a:r>
+              <a:rPr lang="en-US" dirty="0" err="1" smtClean="0"/>
+              <a:t>druhy</a:t>
+            </a:r>
+            <a:r>
+              <a:rPr lang="en-US" dirty="0" smtClean="0"/>
+              <a:t> </a:t>
+            </a:r>
+            <a:r>
+              <a:rPr lang="en-US" dirty="0" err="1" smtClean="0"/>
+              <a:t>pocitacu</a:t>
+            </a:r>
+            <a:endParaRPr lang="en-US" dirty="0" smtClean="0"/>
+          </a:p>
+          <a:p>
+            <a:pPr lvl="1"/>
+            <a:r>
+              <a:rPr lang="en-US" dirty="0" err="1" smtClean="0"/>
+              <a:t>Servery</a:t>
+            </a:r>
+            <a:r>
+              <a:rPr lang="en-US" dirty="0" smtClean="0"/>
+              <a:t>: </a:t>
+            </a:r>
+            <a:r>
+              <a:rPr lang="en-US" dirty="0" err="1" smtClean="0"/>
+              <a:t>uloziste</a:t>
+            </a:r>
+            <a:r>
+              <a:rPr lang="en-US" dirty="0" smtClean="0"/>
+              <a:t> </a:t>
+            </a:r>
+            <a:r>
+              <a:rPr lang="en-US" dirty="0" err="1" smtClean="0"/>
+              <a:t>dat</a:t>
+            </a:r>
+            <a:endParaRPr lang="en-US" dirty="0" smtClean="0"/>
+          </a:p>
+          <a:p>
+            <a:pPr lvl="1"/>
+            <a:r>
+              <a:rPr lang="en-US" dirty="0" err="1" smtClean="0"/>
+              <a:t>Routery</a:t>
+            </a:r>
+            <a:r>
+              <a:rPr lang="en-US" dirty="0" smtClean="0"/>
+              <a:t>: </a:t>
+            </a:r>
+            <a:r>
+              <a:rPr lang="en-US" dirty="0" err="1" smtClean="0"/>
+              <a:t>smerovani</a:t>
+            </a:r>
+            <a:r>
+              <a:rPr lang="en-US" dirty="0" smtClean="0"/>
+              <a:t> </a:t>
+            </a:r>
+            <a:r>
+              <a:rPr lang="en-US" dirty="0" err="1" smtClean="0"/>
+              <a:t>komunikace</a:t>
+            </a:r>
+            <a:endParaRPr lang="en-US" dirty="0"/>
+          </a:p>
+          <a:p>
+            <a:pPr lvl="1"/>
+            <a:r>
+              <a:rPr lang="en-US" dirty="0" err="1" smtClean="0"/>
+              <a:t>Uzivatele</a:t>
+            </a:r>
+            <a:r>
+              <a:rPr lang="en-US" dirty="0" smtClean="0"/>
+              <a:t>: </a:t>
+            </a:r>
+            <a:r>
+              <a:rPr lang="en-US" dirty="0" err="1" smtClean="0"/>
+              <a:t>vyzadovani</a:t>
+            </a:r>
+            <a:r>
+              <a:rPr lang="en-US" dirty="0" smtClean="0"/>
+              <a:t> </a:t>
+            </a:r>
+            <a:r>
+              <a:rPr lang="en-US" dirty="0" err="1" smtClean="0"/>
+              <a:t>dat</a:t>
+            </a:r>
+            <a:endParaRPr lang="en-US" dirty="0" smtClean="0"/>
+          </a:p>
+          <a:p>
+            <a:r>
+              <a:rPr lang="en-US" dirty="0" err="1" smtClean="0"/>
+              <a:t>Kazdy</a:t>
+            </a:r>
+            <a:r>
+              <a:rPr lang="en-US" dirty="0" smtClean="0"/>
+              <a:t> </a:t>
+            </a:r>
+            <a:r>
+              <a:rPr lang="en-US" dirty="0" err="1" smtClean="0"/>
+              <a:t>pocitac</a:t>
+            </a:r>
+            <a:r>
+              <a:rPr lang="en-US" dirty="0" smtClean="0"/>
+              <a:t> = IP </a:t>
+            </a:r>
+            <a:r>
+              <a:rPr lang="en-US" dirty="0" err="1" smtClean="0"/>
+              <a:t>adresa</a:t>
+            </a:r>
+            <a:endParaRPr lang="en-US" dirty="0" smtClean="0"/>
+          </a:p>
+          <a:p>
+            <a:pPr lvl="1"/>
+            <a:r>
+              <a:rPr lang="en-US" dirty="0" smtClean="0"/>
+              <a:t>= “</a:t>
+            </a:r>
+            <a:r>
+              <a:rPr lang="en-US" dirty="0" err="1" smtClean="0"/>
+              <a:t>jmeno</a:t>
+            </a:r>
+            <a:r>
+              <a:rPr lang="en-US" dirty="0" smtClean="0"/>
+              <a:t> </a:t>
+            </a:r>
+            <a:r>
+              <a:rPr lang="en-US" dirty="0" err="1" smtClean="0"/>
+              <a:t>pocitace</a:t>
+            </a:r>
+            <a:r>
+              <a:rPr lang="en-US" dirty="0" smtClean="0"/>
+              <a:t>”</a:t>
+            </a:r>
+          </a:p>
+          <a:p>
+            <a:pPr lvl="1"/>
+            <a:r>
+              <a:rPr lang="en-US" dirty="0" err="1" smtClean="0"/>
+              <a:t>Nyni</a:t>
+            </a:r>
+            <a:r>
+              <a:rPr lang="en-US" dirty="0" smtClean="0"/>
+              <a:t> format IPv6 (####:####:####:####:####:####:####:#### </a:t>
+            </a:r>
+            <a:r>
+              <a:rPr lang="en-US" dirty="0" err="1" smtClean="0"/>
+              <a:t>hexadecimalni</a:t>
+            </a:r>
+            <a:r>
+              <a:rPr lang="en-US" dirty="0" smtClean="0"/>
+              <a:t> s.)</a:t>
+            </a:r>
+          </a:p>
+          <a:p>
+            <a:r>
+              <a:rPr lang="en-US" dirty="0" err="1" smtClean="0"/>
+              <a:t>Nektere</a:t>
+            </a:r>
+            <a:r>
+              <a:rPr lang="en-US" dirty="0" smtClean="0"/>
+              <a:t> server = DNS </a:t>
+            </a:r>
+            <a:r>
+              <a:rPr lang="en-US" dirty="0" err="1" smtClean="0"/>
+              <a:t>adresa</a:t>
+            </a:r>
+            <a:endParaRPr lang="en-US" dirty="0" smtClean="0"/>
+          </a:p>
+          <a:p>
+            <a:pPr lvl="1"/>
+            <a:r>
+              <a:rPr lang="en-US" dirty="0" err="1" smtClean="0"/>
+              <a:t>Kupr</a:t>
+            </a:r>
+            <a:r>
+              <a:rPr lang="en-US" dirty="0" smtClean="0"/>
+              <a:t>. </a:t>
+            </a:r>
+            <a:r>
+              <a:rPr lang="en-US" dirty="0" smtClean="0">
+                <a:hlinkClick r:id="rId2"/>
+              </a:rPr>
+              <a:t>www.google.com</a:t>
+            </a:r>
+            <a:endParaRPr lang="en-US" dirty="0" smtClean="0"/>
+          </a:p>
+          <a:p>
+            <a:pPr lvl="1"/>
+            <a:r>
+              <a:rPr lang="en-US" dirty="0" err="1" smtClean="0"/>
+              <a:t>Preklad</a:t>
+            </a:r>
+            <a:r>
+              <a:rPr lang="en-US" dirty="0" smtClean="0"/>
+              <a:t> DNS </a:t>
+            </a:r>
+            <a:r>
+              <a:rPr lang="en-US" dirty="0" err="1" smtClean="0"/>
+              <a:t>na</a:t>
+            </a:r>
+            <a:r>
+              <a:rPr lang="en-US" dirty="0" smtClean="0"/>
+              <a:t> IP = DNS </a:t>
+            </a:r>
+            <a:r>
+              <a:rPr lang="en-US" dirty="0" err="1" smtClean="0"/>
+              <a:t>servery</a:t>
+            </a:r>
+            <a:r>
+              <a:rPr lang="en-US" dirty="0" smtClean="0"/>
+              <a:t> </a:t>
+            </a:r>
+          </a:p>
+        </p:txBody>
+      </p:sp>
+    </p:spTree>
+    <p:extLst>
+      <p:ext uri="{BB962C8B-B14F-4D97-AF65-F5344CB8AC3E}">
+        <p14:creationId xmlns:p14="http://schemas.microsoft.com/office/powerpoint/2010/main" val="474477270"/>
+      </p:ext>
+    </p:extLst>
+  </p:cSld>
+  <p:clrMapOvr>
+    <a:masterClrMapping/>
+  </p:clrMapOvr>
+</p:sld>
+</file>
+
+<file path=ppt/slides/slide4.xml><?xml version="1.0" encoding="utf-8"?>
+<p:sld xmlns:a="http://schemas.openxmlformats.org/drawingml/2006/main" xmlns:r="http://schemas.openxmlformats.org/officeDocument/2006/relationships" xmlns:p="http://schemas.openxmlformats.org/presentationml/2006/main">
+  <p:cSld>
+    <p:spTree>
+      <p:nvGrpSpPr>
+        <p:cNvPr id="1" name=""/>
+        <p:cNvGrpSpPr/>
+        <p:nvPr/>
+      </p:nvGrpSpPr>
+      <p:grpSpPr>
+        <a:xfrm>
+          <a:off x="0" y="0"/>
+          <a:ext cx="0" cy="0"/>
+          <a:chOff x="0" y="0"/>
+          <a:chExt cx="0" cy="0"/>
+        </a:xfrm>
+      </p:grpSpPr>
+      <p:sp>
+        <p:nvSpPr>
+          <p:cNvPr id="2" name="Nadpis 1"/>
+          <p:cNvSpPr>
+            <a:spLocks noGrp="1"/>
+          </p:cNvSpPr>
+          <p:nvPr>
+            <p:ph type="title"/>
+          </p:nvPr>
+        </p:nvSpPr>
+        <p:spPr/>
+        <p:txBody>
+          <a:bodyPr>
+            <a:normAutofit fontScale="90000"/>
+          </a:bodyPr>
+          <a:lstStyle/>
+          <a:p>
+            <a:r>
+              <a:rPr lang="en-US" dirty="0" err="1" smtClean="0"/>
+              <a:t>Zpusob</a:t>
+            </a:r>
+            <a:r>
+              <a:rPr lang="en-US" dirty="0" smtClean="0"/>
+              <a:t> </a:t>
+            </a:r>
+            <a:r>
+              <a:rPr lang="en-US" dirty="0" err="1" smtClean="0"/>
+              <a:t>komunikace</a:t>
+            </a:r>
+            <a:r>
+              <a:rPr lang="en-US" dirty="0" smtClean="0"/>
+              <a:t> server-</a:t>
+            </a:r>
+            <a:r>
+              <a:rPr lang="en-US" dirty="0" err="1" smtClean="0"/>
+              <a:t>uzivatel</a:t>
+            </a:r>
+            <a:endParaRPr lang="cs-CZ" dirty="0"/>
+          </a:p>
+        </p:txBody>
+      </p:sp>
+      <p:sp>
+        <p:nvSpPr>
+          <p:cNvPr id="3" name="Zástupný symbol pro obsah 2"/>
+          <p:cNvSpPr>
+            <a:spLocks noGrp="1"/>
+          </p:cNvSpPr>
+          <p:nvPr>
+            <p:ph idx="1"/>
+          </p:nvPr>
+        </p:nvSpPr>
+        <p:spPr/>
+        <p:txBody>
+          <a:bodyPr/>
+          <a:lstStyle/>
+          <a:p>
+            <a:r>
+              <a:rPr lang="en-US" dirty="0" err="1" smtClean="0"/>
+              <a:t>Tvz</a:t>
+            </a:r>
+            <a:r>
+              <a:rPr lang="en-US" dirty="0" smtClean="0"/>
+              <a:t>. HTTP(S) protocol (</a:t>
+            </a:r>
+            <a:r>
+              <a:rPr lang="en-US" dirty="0" err="1" smtClean="0"/>
+              <a:t>HyperText</a:t>
+            </a:r>
+            <a:r>
+              <a:rPr lang="en-US" dirty="0" smtClean="0"/>
+              <a:t> </a:t>
+            </a:r>
+            <a:r>
+              <a:rPr lang="en-US" dirty="0" err="1" smtClean="0"/>
+              <a:t>Trasfer</a:t>
+            </a:r>
+            <a:r>
+              <a:rPr lang="en-US" dirty="0" smtClean="0"/>
+              <a:t> Protocol(Secure))</a:t>
+            </a:r>
+          </a:p>
+          <a:p>
+            <a:pPr lvl="1"/>
+            <a:r>
+              <a:rPr lang="en-US" dirty="0" smtClean="0"/>
+              <a:t>POST /search HTTP1.1 Query=“How </a:t>
+            </a:r>
+            <a:r>
+              <a:rPr lang="en-US" smtClean="0"/>
+              <a:t>does the internet work”</a:t>
+            </a:r>
+            <a:endParaRPr lang="cs-CZ" dirty="0"/>
+          </a:p>
+        </p:txBody>
+      </p:sp>
+    </p:spTree>
+    <p:extLst>
+      <p:ext uri="{BB962C8B-B14F-4D97-AF65-F5344CB8AC3E}">
+        <p14:creationId xmlns:p14="http://schemas.microsoft.com/office/powerpoint/2010/main" val="106016948"/>
+      </p:ext>
+    </p:extLst>
+  </p:cSld>
+  <p:clrMapOvr>
+    <a:masterClrMapping/>
+  </p:clrMapOvr>
 </p:sld>
 </file>
 
